--- a/07-Inheritance.pptx
+++ b/07-Inheritance.pptx
@@ -11,7 +11,7 @@
     <p:handoutMasterId r:id="rId23"/>
   </p:handoutMasterIdLst>
   <p:sldIdLst>
-    <p:sldId id="776" r:id="rId5"/>
+    <p:sldId id="1560" r:id="rId5"/>
     <p:sldId id="778" r:id="rId6"/>
     <p:sldId id="378" r:id="rId7"/>
     <p:sldId id="379" r:id="rId8"/>
@@ -134,7 +134,7 @@
       <p14:sectionLst xmlns:p14="http://schemas.microsoft.com/office/powerpoint/2010/main">
         <p14:section name="Title slide" id="{DE8BF54A-1323-4403-83F8-D7B5510C9D53}">
           <p14:sldIdLst>
-            <p14:sldId id="776"/>
+            <p14:sldId id="1560"/>
             <p14:sldId id="778"/>
             <p14:sldId id="378"/>
             <p14:sldId id="379"/>
@@ -2898,7 +2898,7 @@
           <a:p>
             <a:fld id="{86D088FE-3E68-47FE-8BA4-634CD34BABBC}" type="datetimeFigureOut">
               <a:rPr lang="en-GB" smtClean="0"/>
-              <a:t>04/12/2025</a:t>
+              <a:t>05/12/2025</a:t>
             </a:fld>
             <a:endParaRPr lang="en-GB"/>
           </a:p>
@@ -3069,7 +3069,7 @@
             <a:fld id="{1D6B66C6-1E92-0F4E-A300-9D4ED1F0C23F}" type="datetimeFigureOut">
               <a:rPr lang="en-GB" smtClean="0"/>
               <a:pPr/>
-              <a:t>04/12/2025</a:t>
+              <a:t>05/12/2025</a:t>
             </a:fld>
             <a:endParaRPr lang="en-GB"/>
           </a:p>
@@ -3387,7 +3387,7 @@
           <a:bodyPr/>
           <a:lstStyle/>
           <a:p>
-            <a:endParaRPr lang="en-IN"/>
+            <a:endParaRPr lang="en-US"/>
           </a:p>
         </p:txBody>
       </p:sp>
@@ -3398,7 +3398,7 @@
             <a:spLocks noGrp="1"/>
           </p:cNvSpPr>
           <p:nvPr>
-            <p:ph type="sldNum" sz="quarter" idx="10"/>
+            <p:ph type="sldNum" sz="quarter" idx="5"/>
           </p:nvPr>
         </p:nvSpPr>
         <p:spPr/>
@@ -3406,9 +3406,8 @@
           <a:bodyPr/>
           <a:lstStyle/>
           <a:p>
-            <a:fld id="{548901C6-1DA1-FB44-ABEE-06A0FEB7738E}" type="slidenum">
+            <a:fld id="{35BE1F5F-BEC2-48D5-A890-C07C79853E26}" type="slidenum">
               <a:rPr lang="en-GB" smtClean="0"/>
-              <a:pPr/>
               <a:t>1</a:t>
             </a:fld>
             <a:endParaRPr lang="en-GB"/>
@@ -3418,7 +3417,7 @@
     </p:spTree>
     <p:extLst>
       <p:ext uri="{BB962C8B-B14F-4D97-AF65-F5344CB8AC3E}">
-        <p14:creationId xmlns:p14="http://schemas.microsoft.com/office/powerpoint/2010/main" val="110649545"/>
+        <p14:creationId xmlns:p14="http://schemas.microsoft.com/office/powerpoint/2010/main" val="2546931957"/>
       </p:ext>
     </p:extLst>
   </p:cSld>
@@ -25610,6 +25609,245 @@
 </p:sldLayout>
 </file>
 
+<file path=ppt/slideLayouts/slideLayout39.xml><?xml version="1.0" encoding="utf-8"?>
+<p:sldLayout xmlns:a="http://schemas.openxmlformats.org/drawingml/2006/main" xmlns:r="http://schemas.openxmlformats.org/officeDocument/2006/relationships" xmlns:p="http://schemas.openxmlformats.org/presentationml/2006/main" type="title">
+  <p:cSld name="Purple_divider">
+    <p:bg>
+      <p:bgPr>
+        <a:blipFill dpi="0" rotWithShape="1">
+          <a:blip r:embed="rId2">
+            <a:lum/>
+          </a:blip>
+          <a:srcRect/>
+          <a:stretch>
+            <a:fillRect/>
+          </a:stretch>
+        </a:blipFill>
+        <a:effectLst/>
+      </p:bgPr>
+    </p:bg>
+    <p:spTree>
+      <p:nvGrpSpPr>
+        <p:cNvPr id="1" name=""/>
+        <p:cNvGrpSpPr/>
+        <p:nvPr/>
+      </p:nvGrpSpPr>
+      <p:grpSpPr>
+        <a:xfrm>
+          <a:off x="0" y="0"/>
+          <a:ext cx="0" cy="0"/>
+          <a:chOff x="0" y="0"/>
+          <a:chExt cx="0" cy="0"/>
+        </a:xfrm>
+      </p:grpSpPr>
+      <p:pic>
+        <p:nvPicPr>
+          <p:cNvPr id="5" name="Picture 4">
+            <a:extLst>
+              <a:ext uri="{FF2B5EF4-FFF2-40B4-BE49-F238E27FC236}">
+                <a16:creationId xmlns:a16="http://schemas.microsoft.com/office/drawing/2014/main" id="{AB0B8D50-2C63-2F2E-599F-E921BF1F757F}"/>
+              </a:ext>
+              <a:ext uri="{C183D7F6-B498-43B3-948B-1728B52AA6E4}">
+                <adec:decorative xmlns:adec="http://schemas.microsoft.com/office/drawing/2017/decorative" val="1"/>
+              </a:ext>
+            </a:extLst>
+          </p:cNvPr>
+          <p:cNvPicPr>
+            <a:picLocks noChangeAspect="1"/>
+          </p:cNvPicPr>
+          <p:nvPr userDrawn="1"/>
+        </p:nvPicPr>
+        <p:blipFill>
+          <a:blip r:embed="rId3"/>
+          <a:stretch>
+            <a:fillRect/>
+          </a:stretch>
+        </p:blipFill>
+        <p:spPr>
+          <a:xfrm>
+            <a:off x="0" y="898802"/>
+            <a:ext cx="8062294" cy="1684800"/>
+          </a:xfrm>
+          <a:prstGeom prst="rect">
+            <a:avLst/>
+          </a:prstGeom>
+        </p:spPr>
+      </p:pic>
+      <p:sp>
+        <p:nvSpPr>
+          <p:cNvPr id="2" name="Title 1">
+            <a:extLst>
+              <a:ext uri="{FF2B5EF4-FFF2-40B4-BE49-F238E27FC236}">
+                <a16:creationId xmlns:a16="http://schemas.microsoft.com/office/drawing/2014/main" id="{909D855A-1A49-ADBE-89C8-65ECAFD2AAB3}"/>
+              </a:ext>
+            </a:extLst>
+          </p:cNvPr>
+          <p:cNvSpPr>
+            <a:spLocks noGrp="1"/>
+          </p:cNvSpPr>
+          <p:nvPr>
+            <p:ph type="ctrTitle"/>
+          </p:nvPr>
+        </p:nvSpPr>
+        <p:spPr>
+          <a:xfrm>
+            <a:off x="473406" y="1118152"/>
+            <a:ext cx="6777996" cy="1247916"/>
+          </a:xfrm>
+          <a:prstGeom prst="rect">
+            <a:avLst/>
+          </a:prstGeom>
+          <a:ln>
+            <a:noFill/>
+          </a:ln>
+        </p:spPr>
+        <p:txBody>
+          <a:bodyPr lIns="0" rIns="0" anchor="ctr"/>
+          <a:lstStyle>
+            <a:lvl1pPr algn="l">
+              <a:lnSpc>
+                <a:spcPct val="100000"/>
+              </a:lnSpc>
+              <a:defRPr sz="3600">
+                <a:solidFill>
+                  <a:schemeClr val="tx1"/>
+                </a:solidFill>
+              </a:defRPr>
+            </a:lvl1pPr>
+          </a:lstStyle>
+          <a:p>
+            <a:endParaRPr lang="en-GB"/>
+          </a:p>
+        </p:txBody>
+      </p:sp>
+      <p:sp>
+        <p:nvSpPr>
+          <p:cNvPr id="3" name="Subtitle 2">
+            <a:extLst>
+              <a:ext uri="{FF2B5EF4-FFF2-40B4-BE49-F238E27FC236}">
+                <a16:creationId xmlns:a16="http://schemas.microsoft.com/office/drawing/2014/main" id="{994AF8D4-DACD-9AF9-364C-02C474BC62A5}"/>
+              </a:ext>
+            </a:extLst>
+          </p:cNvPr>
+          <p:cNvSpPr>
+            <a:spLocks noGrp="1"/>
+          </p:cNvSpPr>
+          <p:nvPr>
+            <p:ph type="subTitle" idx="1"/>
+          </p:nvPr>
+        </p:nvSpPr>
+        <p:spPr>
+          <a:xfrm>
+            <a:off x="473406" y="2902689"/>
+            <a:ext cx="6150678" cy="863600"/>
+          </a:xfrm>
+          <a:prstGeom prst="rect">
+            <a:avLst/>
+          </a:prstGeom>
+          <a:ln>
+            <a:noFill/>
+          </a:ln>
+        </p:spPr>
+        <p:txBody>
+          <a:bodyPr lIns="0" rIns="0" anchor="t"/>
+          <a:lstStyle>
+            <a:lvl1pPr marL="0" indent="0" algn="l">
+              <a:buNone/>
+              <a:defRPr sz="1800">
+                <a:solidFill>
+                  <a:schemeClr val="tx1"/>
+                </a:solidFill>
+              </a:defRPr>
+            </a:lvl1pPr>
+            <a:lvl2pPr marL="457200" indent="0" algn="ctr">
+              <a:buNone/>
+              <a:defRPr sz="2000"/>
+            </a:lvl2pPr>
+            <a:lvl3pPr marL="914400" indent="0" algn="ctr">
+              <a:buNone/>
+              <a:defRPr sz="1800"/>
+            </a:lvl3pPr>
+            <a:lvl4pPr marL="1371600" indent="0" algn="ctr">
+              <a:buNone/>
+              <a:defRPr sz="1600"/>
+            </a:lvl4pPr>
+            <a:lvl5pPr marL="1828800" indent="0" algn="ctr">
+              <a:buNone/>
+              <a:defRPr sz="1600"/>
+            </a:lvl5pPr>
+            <a:lvl6pPr marL="2286000" indent="0" algn="ctr">
+              <a:buNone/>
+              <a:defRPr sz="1600"/>
+            </a:lvl6pPr>
+            <a:lvl7pPr marL="2743200" indent="0" algn="ctr">
+              <a:buNone/>
+              <a:defRPr sz="1600"/>
+            </a:lvl7pPr>
+            <a:lvl8pPr marL="3200400" indent="0" algn="ctr">
+              <a:buNone/>
+              <a:defRPr sz="1600"/>
+            </a:lvl8pPr>
+            <a:lvl9pPr marL="3657600" indent="0" algn="ctr">
+              <a:buNone/>
+              <a:defRPr sz="1600"/>
+            </a:lvl9pPr>
+          </a:lstStyle>
+          <a:p>
+            <a:endParaRPr lang="en-GB"/>
+          </a:p>
+        </p:txBody>
+      </p:sp>
+      <p:pic>
+        <p:nvPicPr>
+          <p:cNvPr id="9" name="Picture 8">
+            <a:extLst>
+              <a:ext uri="{FF2B5EF4-FFF2-40B4-BE49-F238E27FC236}">
+                <a16:creationId xmlns:a16="http://schemas.microsoft.com/office/drawing/2014/main" id="{ADC96ABF-C649-123E-FBF1-598689C3D553}"/>
+              </a:ext>
+              <a:ext uri="{C183D7F6-B498-43B3-948B-1728B52AA6E4}">
+                <adec:decorative xmlns:adec="http://schemas.microsoft.com/office/drawing/2017/decorative" val="1"/>
+              </a:ext>
+            </a:extLst>
+          </p:cNvPr>
+          <p:cNvPicPr>
+            <a:picLocks noChangeAspect="1"/>
+          </p:cNvPicPr>
+          <p:nvPr userDrawn="1"/>
+        </p:nvPicPr>
+        <p:blipFill>
+          <a:blip r:embed="rId4"/>
+          <a:stretch>
+            <a:fillRect/>
+          </a:stretch>
+        </p:blipFill>
+        <p:spPr>
+          <a:xfrm>
+            <a:off x="473406" y="5650088"/>
+            <a:ext cx="1972082" cy="650979"/>
+          </a:xfrm>
+          <a:prstGeom prst="rect">
+            <a:avLst/>
+          </a:prstGeom>
+        </p:spPr>
+      </p:pic>
+    </p:spTree>
+    <p:extLst>
+      <p:ext uri="{BB962C8B-B14F-4D97-AF65-F5344CB8AC3E}">
+        <p14:creationId xmlns:p14="http://schemas.microsoft.com/office/powerpoint/2010/main" val="486422717"/>
+      </p:ext>
+    </p:extLst>
+  </p:cSld>
+  <p:clrMapOvr>
+    <a:masterClrMapping/>
+  </p:clrMapOvr>
+  <p:extLst>
+    <p:ext uri="{DCECCB84-F9BA-43D5-87BE-67443E8EF086}">
+      <p15:sldGuideLst xmlns:p15="http://schemas.microsoft.com/office/powerpoint/2012/main"/>
+    </p:ext>
+  </p:extLst>
+</p:sldLayout>
+</file>
+
 <file path=ppt/slideLayouts/slideLayout4.xml><?xml version="1.0" encoding="utf-8"?>
 <p:sldLayout xmlns:a="http://schemas.openxmlformats.org/drawingml/2006/main" xmlns:r="http://schemas.openxmlformats.org/officeDocument/2006/relationships" xmlns:p="http://schemas.openxmlformats.org/presentationml/2006/main" showMasterSp="0" preserve="1" userDrawn="1">
   <p:cSld name="Title slide 1">
@@ -29858,6 +30096,7 @@
     <p:sldLayoutId id="2147483905" r:id="rId36"/>
     <p:sldLayoutId id="2147483906" r:id="rId37"/>
     <p:sldLayoutId id="2147483907" r:id="rId38"/>
+    <p:sldLayoutId id="2147483908" r:id="rId39"/>
   </p:sldLayoutIdLst>
   <p:hf hdr="0" dt="0"/>
   <p:txStyles>
@@ -29916,7 +30155,7 @@
         <a:buSzPct val="125000"/>
         <a:buFontTx/>
         <a:buBlip>
-          <a:blip r:embed="rId40"/>
+          <a:blip r:embed="rId41"/>
         </a:buBlip>
         <a:tabLst/>
         <a:defRPr sz="2000" b="0" kern="1200">
@@ -29941,7 +30180,7 @@
         <a:buSzPct val="120000"/>
         <a:buFontTx/>
         <a:buBlip>
-          <a:blip r:embed="rId40"/>
+          <a:blip r:embed="rId41"/>
         </a:buBlip>
         <a:tabLst/>
         <a:defRPr sz="2000" b="0" i="0" kern="1200">
@@ -29966,7 +30205,7 @@
         <a:buSzPct val="120000"/>
         <a:buFontTx/>
         <a:buBlip>
-          <a:blip r:embed="rId40"/>
+          <a:blip r:embed="rId41"/>
         </a:buBlip>
         <a:tabLst/>
         <a:defRPr sz="2000" b="0" kern="1200">
@@ -29991,7 +30230,7 @@
         <a:buSzPct val="125000"/>
         <a:buFontTx/>
         <a:buBlip>
-          <a:blip r:embed="rId40"/>
+          <a:blip r:embed="rId41"/>
         </a:buBlip>
         <a:tabLst/>
         <a:defRPr sz="2000" b="0" kern="1200">
@@ -30340,32 +30579,13 @@
       </p:grpSpPr>
       <p:sp>
         <p:nvSpPr>
-          <p:cNvPr id="5" name="Text Placeholder 4">
+          <p:cNvPr id="4" name="Title 3">
             <a:extLst>
               <a:ext uri="{FF2B5EF4-FFF2-40B4-BE49-F238E27FC236}">
-                <a16:creationId xmlns:a16="http://schemas.microsoft.com/office/drawing/2014/main" id="{978E4CF0-59AF-2D95-90D2-5FDDEF2F6B69}"/>
+                <a16:creationId xmlns:a16="http://schemas.microsoft.com/office/drawing/2014/main" id="{6B10A2E5-A3AA-7BE3-7C87-983A58C15C46}"/>
               </a:ext>
             </a:extLst>
           </p:cNvPr>
-          <p:cNvSpPr>
-            <a:spLocks noGrp="1"/>
-          </p:cNvSpPr>
-          <p:nvPr>
-            <p:ph type="body" sz="quarter" idx="12"/>
-          </p:nvPr>
-        </p:nvSpPr>
-        <p:spPr/>
-        <p:txBody>
-          <a:bodyPr/>
-          <a:lstStyle/>
-          <a:p>
-            <a:endParaRPr lang="en-GB"/>
-          </a:p>
-        </p:txBody>
-      </p:sp>
-      <p:sp>
-        <p:nvSpPr>
-          <p:cNvPr id="3" name="Title 2"/>
           <p:cNvSpPr>
             <a:spLocks noGrp="1"/>
           </p:cNvSpPr>
@@ -30380,16 +30600,41 @@
           <a:p>
             <a:r>
               <a:rPr lang="en-GB" dirty="0"/>
-              <a:t>Inheritance </a:t>
-            </a:r>
-            <a:endParaRPr lang="en-IN" dirty="0"/>
+              <a:t>Inheritance</a:t>
+            </a:r>
+            <a:endParaRPr lang="en-US" dirty="0"/>
+          </a:p>
+        </p:txBody>
+      </p:sp>
+      <p:sp>
+        <p:nvSpPr>
+          <p:cNvPr id="3" name="Subtitle 2">
+            <a:extLst>
+              <a:ext uri="{FF2B5EF4-FFF2-40B4-BE49-F238E27FC236}">
+                <a16:creationId xmlns:a16="http://schemas.microsoft.com/office/drawing/2014/main" id="{52534D79-CFC0-C4F4-AD12-F13DBCAB1A97}"/>
+              </a:ext>
+            </a:extLst>
+          </p:cNvPr>
+          <p:cNvSpPr>
+            <a:spLocks noGrp="1"/>
+          </p:cNvSpPr>
+          <p:nvPr>
+            <p:ph type="subTitle" idx="1"/>
+          </p:nvPr>
+        </p:nvSpPr>
+        <p:spPr/>
+        <p:txBody>
+          <a:bodyPr/>
+          <a:lstStyle/>
+          <a:p>
+            <a:endParaRPr lang="en-GB"/>
           </a:p>
         </p:txBody>
       </p:sp>
     </p:spTree>
     <p:extLst>
       <p:ext uri="{BB962C8B-B14F-4D97-AF65-F5344CB8AC3E}">
-        <p14:creationId xmlns:p14="http://schemas.microsoft.com/office/powerpoint/2010/main" val="1579694095"/>
+        <p14:creationId xmlns:p14="http://schemas.microsoft.com/office/powerpoint/2010/main" val="1003932267"/>
       </p:ext>
     </p:extLst>
   </p:cSld>
@@ -42762,20 +43007,12 @@
 </file>
 
 <file path=customXml/item1.xml><?xml version="1.0" encoding="utf-8"?>
-<p:properties xmlns:p="http://schemas.microsoft.com/office/2006/metadata/properties" xmlns:xsi="http://www.w3.org/2001/XMLSchema-instance" xmlns:pc="http://schemas.microsoft.com/office/infopath/2007/PartnerControls">
-  <documentManagement>
-    <SequenceNumber xmlns="6794D9DE-4FDF-4DC0-8B2C-5438320C69D5" xsi:nil="true"/>
-    <IsBuildFile xmlns="6794D9DE-4FDF-4DC0-8B2C-5438320C69D5" xsi:nil="true"/>
-    <BookTypeField0 xmlns="6794D9DE-4FDF-4DC0-8B2C-5438320C69D5">
-      <Terms xmlns="http://schemas.microsoft.com/office/infopath/2007/PartnerControls">
-        <TermInfo xmlns="http://schemas.microsoft.com/office/infopath/2007/PartnerControls">
-          <TermName xmlns="http://schemas.microsoft.com/office/infopath/2007/PartnerControls">IK</TermName>
-          <TermId xmlns="http://schemas.microsoft.com/office/infopath/2007/PartnerControls">5abe6401-e87a-4499-80b4-3d21a1a6ebd7</TermId>
-        </TermInfo>
-      </Terms>
-    </BookTypeField0>
-  </documentManagement>
-</p:properties>
+<?mso-contentType ?>
+<FormTemplates xmlns="http://schemas.microsoft.com/sharepoint/v3/contenttype/forms">
+  <Display>DocumentLibraryForm</Display>
+  <Edit>DocumentLibraryForm</Edit>
+  <New>DocumentLibraryForm</New>
+</FormTemplates>
 </file>
 
 <file path=customXml/item2.xml><?xml version="1.0" encoding="utf-8"?>
@@ -42919,26 +43156,26 @@
 </file>
 
 <file path=customXml/item3.xml><?xml version="1.0" encoding="utf-8"?>
-<?mso-contentType ?>
-<FormTemplates xmlns="http://schemas.microsoft.com/sharepoint/v3/contenttype/forms">
-  <Display>DocumentLibraryForm</Display>
-  <Edit>DocumentLibraryForm</Edit>
-  <New>DocumentLibraryForm</New>
-</FormTemplates>
+<p:properties xmlns:p="http://schemas.microsoft.com/office/2006/metadata/properties" xmlns:xsi="http://www.w3.org/2001/XMLSchema-instance" xmlns:pc="http://schemas.microsoft.com/office/infopath/2007/PartnerControls">
+  <documentManagement>
+    <SequenceNumber xmlns="6794D9DE-4FDF-4DC0-8B2C-5438320C69D5" xsi:nil="true"/>
+    <IsBuildFile xmlns="6794D9DE-4FDF-4DC0-8B2C-5438320C69D5" xsi:nil="true"/>
+    <BookTypeField0 xmlns="6794D9DE-4FDF-4DC0-8B2C-5438320C69D5">
+      <Terms xmlns="http://schemas.microsoft.com/office/infopath/2007/PartnerControls">
+        <TermInfo xmlns="http://schemas.microsoft.com/office/infopath/2007/PartnerControls">
+          <TermName xmlns="http://schemas.microsoft.com/office/infopath/2007/PartnerControls">IK</TermName>
+          <TermId xmlns="http://schemas.microsoft.com/office/infopath/2007/PartnerControls">5abe6401-e87a-4499-80b4-3d21a1a6ebd7</TermId>
+        </TermInfo>
+      </Terms>
+    </BookTypeField0>
+  </documentManagement>
+</p:properties>
 </file>
 
 <file path=customXml/itemProps1.xml><?xml version="1.0" encoding="utf-8"?>
-<ds:datastoreItem xmlns:ds="http://schemas.openxmlformats.org/officeDocument/2006/customXml" ds:itemID="{B9E5BF4A-6CC8-42EA-8DD6-FE314F3AC34B}">
+<ds:datastoreItem xmlns:ds="http://schemas.openxmlformats.org/officeDocument/2006/customXml" ds:itemID="{320D39E5-0EAE-4956-BD50-21BAC04EF282}">
   <ds:schemaRefs>
-    <ds:schemaRef ds:uri="http://schemas.openxmlformats.org/package/2006/metadata/core-properties"/>
-    <ds:schemaRef ds:uri="http://purl.org/dc/elements/1.1/"/>
-    <ds:schemaRef ds:uri="http://schemas.microsoft.com/office/2006/metadata/properties"/>
-    <ds:schemaRef ds:uri="http://schemas.microsoft.com/office/infopath/2007/PartnerControls"/>
-    <ds:schemaRef ds:uri="http://purl.org/dc/terms/"/>
-    <ds:schemaRef ds:uri="http://schemas.microsoft.com/office/2006/documentManagement/types"/>
-    <ds:schemaRef ds:uri="6794D9DE-4FDF-4DC0-8B2C-5438320C69D5"/>
-    <ds:schemaRef ds:uri="http://www.w3.org/XML/1998/namespace"/>
-    <ds:schemaRef ds:uri="http://purl.org/dc/dcmitype/"/>
+    <ds:schemaRef ds:uri="http://schemas.microsoft.com/sharepoint/v3/contenttype/forms"/>
   </ds:schemaRefs>
 </ds:datastoreItem>
 </file>
@@ -42962,9 +43199,17 @@
 </file>
 
 <file path=customXml/itemProps3.xml><?xml version="1.0" encoding="utf-8"?>
-<ds:datastoreItem xmlns:ds="http://schemas.openxmlformats.org/officeDocument/2006/customXml" ds:itemID="{320D39E5-0EAE-4956-BD50-21BAC04EF282}">
+<ds:datastoreItem xmlns:ds="http://schemas.openxmlformats.org/officeDocument/2006/customXml" ds:itemID="{B9E5BF4A-6CC8-42EA-8DD6-FE314F3AC34B}">
   <ds:schemaRefs>
-    <ds:schemaRef ds:uri="http://schemas.microsoft.com/sharepoint/v3/contenttype/forms"/>
+    <ds:schemaRef ds:uri="http://schemas.openxmlformats.org/package/2006/metadata/core-properties"/>
+    <ds:schemaRef ds:uri="http://purl.org/dc/elements/1.1/"/>
+    <ds:schemaRef ds:uri="http://schemas.microsoft.com/office/2006/metadata/properties"/>
+    <ds:schemaRef ds:uri="http://schemas.microsoft.com/office/infopath/2007/PartnerControls"/>
+    <ds:schemaRef ds:uri="http://purl.org/dc/terms/"/>
+    <ds:schemaRef ds:uri="http://schemas.microsoft.com/office/2006/documentManagement/types"/>
+    <ds:schemaRef ds:uri="6794D9DE-4FDF-4DC0-8B2C-5438320C69D5"/>
+    <ds:schemaRef ds:uri="http://www.w3.org/XML/1998/namespace"/>
+    <ds:schemaRef ds:uri="http://purl.org/dc/dcmitype/"/>
   </ds:schemaRefs>
 </ds:datastoreItem>
 </file>
--- a/07-Inheritance.pptx
+++ b/07-Inheritance.pptx
@@ -2898,7 +2898,7 @@
           <a:p>
             <a:fld id="{86D088FE-3E68-47FE-8BA4-634CD34BABBC}" type="datetimeFigureOut">
               <a:rPr lang="en-GB" smtClean="0"/>
-              <a:t>05/12/2025</a:t>
+              <a:t>10/12/2025</a:t>
             </a:fld>
             <a:endParaRPr lang="en-GB"/>
           </a:p>
@@ -3069,7 +3069,7 @@
             <a:fld id="{1D6B66C6-1E92-0F4E-A300-9D4ED1F0C23F}" type="datetimeFigureOut">
               <a:rPr lang="en-GB" smtClean="0"/>
               <a:pPr/>
-              <a:t>05/12/2025</a:t>
+              <a:t>10/12/2025</a:t>
             </a:fld>
             <a:endParaRPr lang="en-GB"/>
           </a:p>
@@ -31936,7 +31936,7 @@
                 </a:solidFill>
                 <a:latin typeface="Consolas" panose="020B0609020204030204" pitchFamily="49" charset="0"/>
               </a:rPr>
-              <a:t> main(String[] </a:t>
+              <a:t> Main(String[] </a:t>
             </a:r>
             <a:r>
               <a:rPr lang="en-GB" sz="1400" b="1" dirty="0" err="1">
@@ -33358,7 +33358,7 @@
         <p:spPr>
           <a:xfrm>
             <a:off x="2482633" y="3618683"/>
-            <a:ext cx="7539243" cy="2800767"/>
+            <a:ext cx="7539243" cy="2554545"/>
           </a:xfrm>
           <a:prstGeom prst="rect">
             <a:avLst/>
@@ -33539,7 +33539,7 @@
                 </a:solidFill>
                 <a:latin typeface="Consolas" panose="020B0609020204030204" pitchFamily="49" charset="0"/>
               </a:rPr>
-              <a:t>extends</a:t>
+              <a:t>:</a:t>
             </a:r>
             <a:r>
               <a:rPr lang="en-GB" sz="1600" b="1" dirty="0">
@@ -33607,7 +33607,7 @@
               <a:t>(</a:t>
             </a:r>
             <a:r>
-              <a:rPr lang="en-GB" sz="1600" b="1" dirty="0" err="1">
+              <a:rPr lang="en-GB" sz="1600" b="1" dirty="0">
                 <a:solidFill>
                   <a:srgbClr val="7F0055"/>
                 </a:solidFill>
@@ -33640,27 +33640,7 @@
                 </a:solidFill>
                 <a:latin typeface="Consolas" panose="020B0609020204030204" pitchFamily="49" charset="0"/>
               </a:rPr>
-              <a:t>) {</a:t>
-            </a:r>
-          </a:p>
-          <a:p>
-            <a:r>
-              <a:rPr lang="en-GB" sz="1600" b="1" dirty="0">
-                <a:solidFill>
-                  <a:srgbClr val="7F0055"/>
-                </a:solidFill>
-                <a:latin typeface="Consolas" panose="020B0609020204030204" pitchFamily="49" charset="0"/>
-              </a:rPr>
-              <a:t>	super</a:t>
-            </a:r>
-            <a:r>
-              <a:rPr lang="en-GB" sz="1600" b="1" dirty="0">
-                <a:solidFill>
-                  <a:srgbClr val="000000"/>
-                </a:solidFill>
-                <a:latin typeface="Consolas" panose="020B0609020204030204" pitchFamily="49" charset="0"/>
-              </a:rPr>
-              <a:t>(</a:t>
+              <a:t>) : base(</a:t>
             </a:r>
             <a:r>
               <a:rPr lang="en-GB" sz="1600" b="1" dirty="0">
@@ -35108,7 +35088,7 @@
         <p:spPr>
           <a:xfrm>
             <a:off x="410400" y="1771047"/>
-            <a:ext cx="6096000" cy="3293209"/>
+            <a:ext cx="6334140" cy="3046988"/>
           </a:xfrm>
           <a:prstGeom prst="rect">
             <a:avLst/>
@@ -35131,7 +35111,7 @@
           </a:effectLst>
         </p:spPr>
         <p:txBody>
-          <a:bodyPr>
+          <a:bodyPr wrap="square">
             <a:spAutoFit/>
           </a:bodyPr>
           <a:lstStyle/>
@@ -35274,19 +35254,58 @@
                 </a:solidFill>
                 <a:latin typeface="Consolas" panose="020B0609020204030204" pitchFamily="49" charset="0"/>
               </a:rPr>
-              <a:t>) {</a:t>
+              <a:t>) : base(</a:t>
+            </a:r>
+            <a:r>
+              <a:rPr lang="en-GB" sz="1600" b="1" dirty="0">
+                <a:solidFill>
+                  <a:srgbClr val="6A3E3E"/>
+                </a:solidFill>
+                <a:latin typeface="Consolas" panose="020B0609020204030204" pitchFamily="49" charset="0"/>
+              </a:rPr>
+              <a:t>message</a:t>
+            </a:r>
+            <a:r>
+              <a:rPr lang="en-GB" sz="1600" b="1" dirty="0">
+                <a:solidFill>
+                  <a:srgbClr val="000000"/>
+                </a:solidFill>
+                <a:latin typeface="Consolas" panose="020B0609020204030204" pitchFamily="49" charset="0"/>
+              </a:rPr>
+              <a:t>);</a:t>
             </a:r>
           </a:p>
           <a:p>
             <a:pPr lvl="1"/>
             <a:r>
+              <a:rPr lang="en-GB" sz="1600" dirty="0">
+                <a:solidFill>
+                  <a:srgbClr val="000000"/>
+                </a:solidFill>
+                <a:latin typeface="Consolas" panose="020B0609020204030204" pitchFamily="49" charset="0"/>
+              </a:rPr>
+              <a:t>}</a:t>
+            </a:r>
+          </a:p>
+          <a:p>
+            <a:pPr lvl="1"/>
+            <a:endParaRPr lang="en-GB" sz="1600" dirty="0">
+              <a:solidFill>
+                <a:srgbClr val="000000"/>
+              </a:solidFill>
+              <a:latin typeface="Consolas" panose="020B0609020204030204" pitchFamily="49" charset="0"/>
+            </a:endParaRPr>
+          </a:p>
+          <a:p>
+            <a:pPr lvl="1"/>
+            <a:r>
               <a:rPr lang="en-GB" sz="1600" b="1" dirty="0">
                 <a:solidFill>
                   <a:srgbClr val="7F0055"/>
                 </a:solidFill>
                 <a:latin typeface="Consolas" panose="020B0609020204030204" pitchFamily="49" charset="0"/>
               </a:rPr>
-              <a:t>	super</a:t>
+              <a:t>public</a:t>
             </a:r>
             <a:r>
               <a:rPr lang="en-GB" sz="1600" b="1" dirty="0">
@@ -35295,97 +35314,25 @@
                 </a:solidFill>
                 <a:latin typeface="Consolas" panose="020B0609020204030204" pitchFamily="49" charset="0"/>
               </a:rPr>
-              <a:t>(</a:t>
+              <a:t> </a:t>
+            </a:r>
+            <a:r>
+              <a:rPr lang="en-GB" sz="1600" b="1" dirty="0" err="1">
+                <a:solidFill>
+                  <a:srgbClr val="000000"/>
+                </a:solidFill>
+                <a:latin typeface="Consolas" panose="020B0609020204030204" pitchFamily="49" charset="0"/>
+              </a:rPr>
+              <a:t>QAException</a:t>
             </a:r>
             <a:r>
               <a:rPr lang="en-GB" sz="1600" b="1" dirty="0">
                 <a:solidFill>
-                  <a:srgbClr val="6A3E3E"/>
-                </a:solidFill>
-                <a:latin typeface="Consolas" panose="020B0609020204030204" pitchFamily="49" charset="0"/>
-              </a:rPr>
-              <a:t>message</a:t>
-            </a:r>
-            <a:r>
-              <a:rPr lang="en-GB" sz="1600" b="1" dirty="0">
-                <a:solidFill>
                   <a:srgbClr val="000000"/>
                 </a:solidFill>
                 <a:latin typeface="Consolas" panose="020B0609020204030204" pitchFamily="49" charset="0"/>
               </a:rPr>
-              <a:t>);</a:t>
-            </a:r>
-          </a:p>
-          <a:p>
-            <a:pPr lvl="1"/>
-            <a:r>
-              <a:rPr lang="en-GB" sz="1600" dirty="0">
-                <a:solidFill>
-                  <a:srgbClr val="000000"/>
-                </a:solidFill>
-                <a:latin typeface="Consolas" panose="020B0609020204030204" pitchFamily="49" charset="0"/>
-              </a:rPr>
-              <a:t>}</a:t>
-            </a:r>
-          </a:p>
-          <a:p>
-            <a:pPr lvl="1"/>
-            <a:r>
-              <a:rPr lang="en-GB" sz="1600" b="1" dirty="0">
-                <a:solidFill>
-                  <a:srgbClr val="7F0055"/>
-                </a:solidFill>
-                <a:latin typeface="Consolas" panose="020B0609020204030204" pitchFamily="49" charset="0"/>
-              </a:rPr>
-              <a:t>public</a:t>
-            </a:r>
-            <a:r>
-              <a:rPr lang="en-GB" sz="1600" b="1" dirty="0">
-                <a:solidFill>
-                  <a:srgbClr val="000000"/>
-                </a:solidFill>
-                <a:latin typeface="Consolas" panose="020B0609020204030204" pitchFamily="49" charset="0"/>
-              </a:rPr>
-              <a:t> </a:t>
-            </a:r>
-            <a:r>
-              <a:rPr lang="en-GB" sz="1600" b="1" dirty="0" err="1">
-                <a:solidFill>
-                  <a:srgbClr val="000000"/>
-                </a:solidFill>
-                <a:latin typeface="Consolas" panose="020B0609020204030204" pitchFamily="49" charset="0"/>
-              </a:rPr>
-              <a:t>QAException</a:t>
-            </a:r>
-            <a:r>
-              <a:rPr lang="en-GB" sz="1600" b="1" dirty="0">
-                <a:solidFill>
-                  <a:srgbClr val="000000"/>
-                </a:solidFill>
-                <a:latin typeface="Consolas" panose="020B0609020204030204" pitchFamily="49" charset="0"/>
-              </a:rPr>
-              <a:t>() {</a:t>
-            </a:r>
-          </a:p>
-          <a:p>
-            <a:pPr lvl="1"/>
-            <a:r>
-              <a:rPr lang="en-GB" sz="1600" b="1" dirty="0">
-                <a:solidFill>
-                  <a:srgbClr val="7F0055"/>
-                </a:solidFill>
-                <a:latin typeface="Consolas" panose="020B0609020204030204" pitchFamily="49" charset="0"/>
-              </a:rPr>
-              <a:t>	super</a:t>
-            </a:r>
-            <a:r>
-              <a:rPr lang="en-GB" sz="1600" b="1" dirty="0">
-                <a:solidFill>
-                  <a:srgbClr val="000000"/>
-                </a:solidFill>
-                <a:latin typeface="Consolas" panose="020B0609020204030204" pitchFamily="49" charset="0"/>
-              </a:rPr>
-              <a:t>(</a:t>
+              <a:t>() : base(</a:t>
             </a:r>
             <a:r>
               <a:rPr lang="en-GB" sz="1600" b="1" dirty="0">
@@ -39692,7 +39639,7 @@
                 </a:solidFill>
                 <a:latin typeface="Consolas" panose="020B0609020204030204" pitchFamily="49" charset="0"/>
               </a:rPr>
-              <a:t>extends</a:t>
+              <a:t>:</a:t>
             </a:r>
             <a:r>
               <a:rPr lang="en-GB" sz="1600" b="1" dirty="0">
@@ -41718,7 +41665,7 @@
                 </a:solidFill>
                 <a:latin typeface="Consolas" panose="020B0609020204030204" pitchFamily="49" charset="0"/>
               </a:rPr>
-              <a:t>extends</a:t>
+              <a:t>:</a:t>
             </a:r>
             <a:r>
               <a:rPr lang="en-GB" sz="1600" b="1" dirty="0">
@@ -43007,12 +42954,20 @@
 </file>
 
 <file path=customXml/item1.xml><?xml version="1.0" encoding="utf-8"?>
-<?mso-contentType ?>
-<FormTemplates xmlns="http://schemas.microsoft.com/sharepoint/v3/contenttype/forms">
-  <Display>DocumentLibraryForm</Display>
-  <Edit>DocumentLibraryForm</Edit>
-  <New>DocumentLibraryForm</New>
-</FormTemplates>
+<p:properties xmlns:p="http://schemas.microsoft.com/office/2006/metadata/properties" xmlns:xsi="http://www.w3.org/2001/XMLSchema-instance" xmlns:pc="http://schemas.microsoft.com/office/infopath/2007/PartnerControls">
+  <documentManagement>
+    <SequenceNumber xmlns="6794D9DE-4FDF-4DC0-8B2C-5438320C69D5" xsi:nil="true"/>
+    <IsBuildFile xmlns="6794D9DE-4FDF-4DC0-8B2C-5438320C69D5" xsi:nil="true"/>
+    <BookTypeField0 xmlns="6794D9DE-4FDF-4DC0-8B2C-5438320C69D5">
+      <Terms xmlns="http://schemas.microsoft.com/office/infopath/2007/PartnerControls">
+        <TermInfo xmlns="http://schemas.microsoft.com/office/infopath/2007/PartnerControls">
+          <TermName xmlns="http://schemas.microsoft.com/office/infopath/2007/PartnerControls">IK</TermName>
+          <TermId xmlns="http://schemas.microsoft.com/office/infopath/2007/PartnerControls">5abe6401-e87a-4499-80b4-3d21a1a6ebd7</TermId>
+        </TermInfo>
+      </Terms>
+    </BookTypeField0>
+  </documentManagement>
+</p:properties>
 </file>
 
 <file path=customXml/item2.xml><?xml version="1.0" encoding="utf-8"?>
@@ -43156,26 +43111,26 @@
 </file>
 
 <file path=customXml/item3.xml><?xml version="1.0" encoding="utf-8"?>
-<p:properties xmlns:p="http://schemas.microsoft.com/office/2006/metadata/properties" xmlns:xsi="http://www.w3.org/2001/XMLSchema-instance" xmlns:pc="http://schemas.microsoft.com/office/infopath/2007/PartnerControls">
-  <documentManagement>
-    <SequenceNumber xmlns="6794D9DE-4FDF-4DC0-8B2C-5438320C69D5" xsi:nil="true"/>
-    <IsBuildFile xmlns="6794D9DE-4FDF-4DC0-8B2C-5438320C69D5" xsi:nil="true"/>
-    <BookTypeField0 xmlns="6794D9DE-4FDF-4DC0-8B2C-5438320C69D5">
-      <Terms xmlns="http://schemas.microsoft.com/office/infopath/2007/PartnerControls">
-        <TermInfo xmlns="http://schemas.microsoft.com/office/infopath/2007/PartnerControls">
-          <TermName xmlns="http://schemas.microsoft.com/office/infopath/2007/PartnerControls">IK</TermName>
-          <TermId xmlns="http://schemas.microsoft.com/office/infopath/2007/PartnerControls">5abe6401-e87a-4499-80b4-3d21a1a6ebd7</TermId>
-        </TermInfo>
-      </Terms>
-    </BookTypeField0>
-  </documentManagement>
-</p:properties>
+<?mso-contentType ?>
+<FormTemplates xmlns="http://schemas.microsoft.com/sharepoint/v3/contenttype/forms">
+  <Display>DocumentLibraryForm</Display>
+  <Edit>DocumentLibraryForm</Edit>
+  <New>DocumentLibraryForm</New>
+</FormTemplates>
 </file>
 
 <file path=customXml/itemProps1.xml><?xml version="1.0" encoding="utf-8"?>
-<ds:datastoreItem xmlns:ds="http://schemas.openxmlformats.org/officeDocument/2006/customXml" ds:itemID="{320D39E5-0EAE-4956-BD50-21BAC04EF282}">
+<ds:datastoreItem xmlns:ds="http://schemas.openxmlformats.org/officeDocument/2006/customXml" ds:itemID="{B9E5BF4A-6CC8-42EA-8DD6-FE314F3AC34B}">
   <ds:schemaRefs>
-    <ds:schemaRef ds:uri="http://schemas.microsoft.com/sharepoint/v3/contenttype/forms"/>
+    <ds:schemaRef ds:uri="http://schemas.openxmlformats.org/package/2006/metadata/core-properties"/>
+    <ds:schemaRef ds:uri="http://purl.org/dc/elements/1.1/"/>
+    <ds:schemaRef ds:uri="http://schemas.microsoft.com/office/2006/metadata/properties"/>
+    <ds:schemaRef ds:uri="http://schemas.microsoft.com/office/infopath/2007/PartnerControls"/>
+    <ds:schemaRef ds:uri="http://purl.org/dc/terms/"/>
+    <ds:schemaRef ds:uri="http://schemas.microsoft.com/office/2006/documentManagement/types"/>
+    <ds:schemaRef ds:uri="6794D9DE-4FDF-4DC0-8B2C-5438320C69D5"/>
+    <ds:schemaRef ds:uri="http://www.w3.org/XML/1998/namespace"/>
+    <ds:schemaRef ds:uri="http://purl.org/dc/dcmitype/"/>
   </ds:schemaRefs>
 </ds:datastoreItem>
 </file>
@@ -43199,17 +43154,9 @@
 </file>
 
 <file path=customXml/itemProps3.xml><?xml version="1.0" encoding="utf-8"?>
-<ds:datastoreItem xmlns:ds="http://schemas.openxmlformats.org/officeDocument/2006/customXml" ds:itemID="{B9E5BF4A-6CC8-42EA-8DD6-FE314F3AC34B}">
+<ds:datastoreItem xmlns:ds="http://schemas.openxmlformats.org/officeDocument/2006/customXml" ds:itemID="{320D39E5-0EAE-4956-BD50-21BAC04EF282}">
   <ds:schemaRefs>
-    <ds:schemaRef ds:uri="http://schemas.openxmlformats.org/package/2006/metadata/core-properties"/>
-    <ds:schemaRef ds:uri="http://purl.org/dc/elements/1.1/"/>
-    <ds:schemaRef ds:uri="http://schemas.microsoft.com/office/2006/metadata/properties"/>
-    <ds:schemaRef ds:uri="http://schemas.microsoft.com/office/infopath/2007/PartnerControls"/>
-    <ds:schemaRef ds:uri="http://purl.org/dc/terms/"/>
-    <ds:schemaRef ds:uri="http://schemas.microsoft.com/office/2006/documentManagement/types"/>
-    <ds:schemaRef ds:uri="6794D9DE-4FDF-4DC0-8B2C-5438320C69D5"/>
-    <ds:schemaRef ds:uri="http://www.w3.org/XML/1998/namespace"/>
-    <ds:schemaRef ds:uri="http://purl.org/dc/dcmitype/"/>
+    <ds:schemaRef ds:uri="http://schemas.microsoft.com/sharepoint/v3/contenttype/forms"/>
   </ds:schemaRefs>
 </ds:datastoreItem>
 </file>